--- a/netwok_project.pptx
+++ b/netwok_project.pptx
@@ -9,10 +9,12 @@
     <p:sldId id="260" r:id="rId3"/>
     <p:sldId id="258" r:id="rId4"/>
     <p:sldId id="261" r:id="rId5"/>
-    <p:sldId id="259" r:id="rId6"/>
-    <p:sldId id="262" r:id="rId7"/>
-    <p:sldId id="263" r:id="rId8"/>
-    <p:sldId id="264" r:id="rId9"/>
+    <p:sldId id="265" r:id="rId6"/>
+    <p:sldId id="259" r:id="rId7"/>
+    <p:sldId id="262" r:id="rId8"/>
+    <p:sldId id="263" r:id="rId9"/>
+    <p:sldId id="266" r:id="rId10"/>
+    <p:sldId id="264" r:id="rId11"/>
   </p:sldIdLst>
   <p:sldSz cx="9144000" cy="6858000" type="screen4x3"/>
   <p:notesSz cx="7010400" cy="9296400"/>
@@ -3530,6 +3532,88 @@
 </p:sld>
 </file>
 
+<file path=ppt/slides/slide10.xml><?xml version="1.0" encoding="utf-8"?>
+<p:sld xmlns:a="http://schemas.openxmlformats.org/drawingml/2006/main" xmlns:r="http://schemas.openxmlformats.org/officeDocument/2006/relationships" xmlns:p="http://schemas.openxmlformats.org/presentationml/2006/main">
+  <p:cSld>
+    <p:spTree>
+      <p:nvGrpSpPr>
+        <p:cNvPr id="1" name=""/>
+        <p:cNvGrpSpPr/>
+        <p:nvPr/>
+      </p:nvGrpSpPr>
+      <p:grpSpPr>
+        <a:xfrm>
+          <a:off x="0" y="0"/>
+          <a:ext cx="0" cy="0"/>
+          <a:chOff x="0" y="0"/>
+          <a:chExt cx="0" cy="0"/>
+        </a:xfrm>
+      </p:grpSpPr>
+      <p:sp>
+        <p:nvSpPr>
+          <p:cNvPr id="2" name="Title 1"/>
+          <p:cNvSpPr>
+            <a:spLocks noGrp="1"/>
+          </p:cNvSpPr>
+          <p:nvPr>
+            <p:ph type="title"/>
+          </p:nvPr>
+        </p:nvSpPr>
+        <p:spPr/>
+        <p:txBody>
+          <a:bodyPr/>
+          <a:lstStyle/>
+          <a:p>
+            <a:endParaRPr kumimoji="1" lang="ja-JP" altLang="en-US"/>
+          </a:p>
+        </p:txBody>
+      </p:sp>
+      <p:sp>
+        <p:nvSpPr>
+          <p:cNvPr id="3" name="Content Placeholder 2"/>
+          <p:cNvSpPr>
+            <a:spLocks noGrp="1"/>
+          </p:cNvSpPr>
+          <p:nvPr>
+            <p:ph idx="1"/>
+          </p:nvPr>
+        </p:nvSpPr>
+        <p:spPr>
+          <a:xfrm>
+            <a:off x="281642" y="2501401"/>
+            <a:ext cx="8898203" cy="4525963"/>
+          </a:xfrm>
+        </p:spPr>
+        <p:txBody>
+          <a:bodyPr>
+            <a:normAutofit/>
+          </a:bodyPr>
+          <a:lstStyle/>
+          <a:p>
+            <a:pPr marL="0" indent="0">
+              <a:buNone/>
+            </a:pPr>
+            <a:r>
+              <a:rPr kumimoji="1" lang="vi-VN" altLang="ja-JP" sz="5400"/>
+              <a:t>Thank You for Your Listening! </a:t>
+            </a:r>
+            <a:endParaRPr kumimoji="1" lang="ja-JP" altLang="en-US" sz="5400"/>
+          </a:p>
+        </p:txBody>
+      </p:sp>
+    </p:spTree>
+    <p:extLst>
+      <p:ext uri="{BB962C8B-B14F-4D97-AF65-F5344CB8AC3E}">
+        <p14:creationId xmlns:p14="http://schemas.microsoft.com/office/powerpoint/2010/main" val="3108771292"/>
+      </p:ext>
+    </p:extLst>
+  </p:cSld>
+  <p:clrMapOvr>
+    <a:masterClrMapping/>
+  </p:clrMapOvr>
+</p:sld>
+</file>
+
 <file path=ppt/slides/slide2.xml><?xml version="1.0" encoding="utf-8"?>
 <p:sld xmlns:a="http://schemas.openxmlformats.org/drawingml/2006/main" xmlns:r="http://schemas.openxmlformats.org/officeDocument/2006/relationships" xmlns:p="http://schemas.openxmlformats.org/presentationml/2006/main">
   <p:cSld>
@@ -3621,6 +3705,16 @@
             <a:r>
               <a:rPr lang="en-US" altLang="ja-JP"/>
               <a:t>Evaluate</a:t>
+            </a:r>
+          </a:p>
+          <a:p>
+            <a:r>
+              <a:rPr lang="en-US" altLang="ja-JP"/>
+              <a:t>A</a:t>
+            </a:r>
+            <a:r>
+              <a:rPr lang="en-US" altLang="ja-JP"/>
+              <a:t>ssigned tasks</a:t>
             </a:r>
             <a:endParaRPr lang="en-US" altLang="ja-JP"/>
           </a:p>
@@ -3674,12 +3768,18 @@
         </p:nvSpPr>
         <p:spPr/>
         <p:txBody>
-          <a:bodyPr/>
-          <a:lstStyle/>
-          <a:p>
-            <a:r>
-              <a:rPr kumimoji="1" lang="en-US" altLang="ja-JP"/>
-              <a:t>Game: Catch the number</a:t>
+          <a:bodyPr>
+            <a:normAutofit/>
+          </a:bodyPr>
+          <a:lstStyle/>
+          <a:p>
+            <a:r>
+              <a:rPr kumimoji="1" lang="en-US" altLang="ja-JP"/>
+              <a:t>I</a:t>
+            </a:r>
+            <a:r>
+              <a:rPr kumimoji="1" lang="en-US" altLang="ja-JP"/>
+              <a:t>ntroduction</a:t>
             </a:r>
             <a:endParaRPr kumimoji="1" lang="ja-JP" altLang="en-US"/>
           </a:p>
@@ -3907,6 +4007,74 @@
           </a:prstGeom>
         </p:spPr>
       </p:pic>
+      <p:sp>
+        <p:nvSpPr>
+          <p:cNvPr id="7" name="TextBox 6"/>
+          <p:cNvSpPr txBox="1"/>
+          <p:nvPr/>
+        </p:nvSpPr>
+        <p:spPr>
+          <a:xfrm>
+            <a:off x="3132665" y="4727222"/>
+            <a:ext cx="2496297" cy="646331"/>
+          </a:xfrm>
+          <a:prstGeom prst="rect">
+            <a:avLst/>
+          </a:prstGeom>
+          <a:noFill/>
+        </p:spPr>
+        <p:txBody>
+          <a:bodyPr wrap="square" rtlCol="0">
+            <a:spAutoFit/>
+          </a:bodyPr>
+          <a:lstStyle/>
+          <a:p>
+            <a:r>
+              <a:rPr kumimoji="1" lang="en-US" altLang="ja-JP"/>
+              <a:t>U</a:t>
+            </a:r>
+            <a:r>
+              <a:rPr kumimoji="1" lang="en-US" altLang="ja-JP"/>
+              <a:t>se select() to deal with multi-client </a:t>
+            </a:r>
+            <a:endParaRPr kumimoji="1" lang="ja-JP" altLang="en-US"/>
+          </a:p>
+        </p:txBody>
+      </p:sp>
+      <p:sp>
+        <p:nvSpPr>
+          <p:cNvPr id="8" name="TextBox 7"/>
+          <p:cNvSpPr txBox="1"/>
+          <p:nvPr/>
+        </p:nvSpPr>
+        <p:spPr>
+          <a:xfrm>
+            <a:off x="457199" y="3668889"/>
+            <a:ext cx="1871133" cy="923330"/>
+          </a:xfrm>
+          <a:prstGeom prst="rect">
+            <a:avLst/>
+          </a:prstGeom>
+          <a:noFill/>
+        </p:spPr>
+        <p:txBody>
+          <a:bodyPr wrap="square" rtlCol="0">
+            <a:spAutoFit/>
+          </a:bodyPr>
+          <a:lstStyle/>
+          <a:p>
+            <a:r>
+              <a:rPr kumimoji="1" lang="en-US" altLang="ja-JP"/>
+              <a:t>U</a:t>
+            </a:r>
+            <a:r>
+              <a:rPr kumimoji="1" lang="en-US" altLang="ja-JP"/>
+              <a:t>se select() for non-blocking I/O processing</a:t>
+            </a:r>
+            <a:endParaRPr kumimoji="1" lang="ja-JP" altLang="en-US"/>
+          </a:p>
+        </p:txBody>
+      </p:sp>
     </p:spTree>
     <p:extLst>
       <p:ext uri="{BB962C8B-B14F-4D97-AF65-F5344CB8AC3E}">
@@ -3953,44 +4121,59 @@
           <a:lstStyle/>
           <a:p>
             <a:r>
+              <a:rPr kumimoji="1" lang="en-US" altLang="ja-JP"/>
+              <a:t>Message Structure</a:t>
+            </a:r>
+            <a:endParaRPr kumimoji="1" lang="ja-JP" altLang="en-US"/>
+          </a:p>
+        </p:txBody>
+      </p:sp>
+      <p:sp>
+        <p:nvSpPr>
+          <p:cNvPr id="3" name="Content Placeholder 2"/>
+          <p:cNvSpPr>
+            <a:spLocks noGrp="1"/>
+          </p:cNvSpPr>
+          <p:nvPr>
+            <p:ph idx="1"/>
+          </p:nvPr>
+        </p:nvSpPr>
+        <p:spPr/>
+        <p:txBody>
+          <a:bodyPr/>
+          <a:lstStyle/>
+          <a:p>
+            <a:r>
               <a:rPr lang="en-US" altLang="ja-JP"/>
-              <a:t>Implementation</a:t>
-            </a:r>
-            <a:endParaRPr kumimoji="1" lang="ja-JP" altLang="en-US"/>
-          </a:p>
-        </p:txBody>
-      </p:sp>
-      <p:sp>
-        <p:nvSpPr>
-          <p:cNvPr id="3" name="Content Placeholder 2"/>
-          <p:cNvSpPr>
-            <a:spLocks noGrp="1"/>
-          </p:cNvSpPr>
-          <p:nvPr>
-            <p:ph idx="1"/>
-          </p:nvPr>
-        </p:nvSpPr>
-        <p:spPr/>
-        <p:txBody>
-          <a:bodyPr/>
-          <a:lstStyle/>
+              <a:t>C</a:t>
+            </a:r>
+            <a:r>
+              <a:rPr kumimoji="1" lang="en-US" altLang="ja-JP"/>
+              <a:t>haracter buffer</a:t>
+            </a:r>
+          </a:p>
           <a:p>
             <a:r>
               <a:rPr lang="en-US" altLang="ja-JP"/>
-              <a:t>Client/Server: C</a:t>
-            </a:r>
-            <a:endParaRPr kumimoji="1" lang="en-US" altLang="ja-JP"/>
+              <a:t>First 4 bytes : defined message id</a:t>
+            </a:r>
+          </a:p>
+          <a:p>
+            <a:r>
+              <a:rPr kumimoji="1" lang="en-US" altLang="ja-JP"/>
+              <a:t>Next 4 bytes : the length of text part of message</a:t>
+            </a:r>
           </a:p>
           <a:p>
             <a:r>
               <a:rPr lang="en-US" altLang="ja-JP"/>
-              <a:t>Compiler: gcc</a:t>
-            </a:r>
-          </a:p>
-          <a:p>
-            <a:r>
-              <a:rPr kumimoji="1" lang="en-US" altLang="ja-JP"/>
-              <a:t>OS: Ubuntu</a:t>
+              <a:t>Rest : content of message</a:t>
+            </a:r>
+          </a:p>
+          <a:p>
+            <a:r>
+              <a:rPr kumimoji="1" lang="en-US" altLang="ja-JP"/>
+              <a:t>Before send and after received a message, we encode and decode the buffer according to defined message id</a:t>
             </a:r>
             <a:endParaRPr kumimoji="1" lang="ja-JP" altLang="en-US"/>
           </a:p>
@@ -3999,7 +4182,7 @@
     </p:spTree>
     <p:extLst>
       <p:ext uri="{BB962C8B-B14F-4D97-AF65-F5344CB8AC3E}">
-        <p14:creationId xmlns:p14="http://schemas.microsoft.com/office/powerpoint/2010/main" val="144479702"/>
+        <p14:creationId xmlns:p14="http://schemas.microsoft.com/office/powerpoint/2010/main" val="208938646"/>
       </p:ext>
     </p:extLst>
   </p:cSld>
@@ -4042,8 +4225,8 @@
           <a:lstStyle/>
           <a:p>
             <a:r>
-              <a:rPr kumimoji="1" lang="vi-VN" altLang="ja-JP"/>
-              <a:t>Demostration</a:t>
+              <a:rPr lang="en-US" altLang="ja-JP"/>
+              <a:t>Implementation</a:t>
             </a:r>
             <a:endParaRPr kumimoji="1" lang="ja-JP" altLang="en-US"/>
           </a:p>
@@ -4059,22 +4242,26 @@
             <p:ph idx="1"/>
           </p:nvPr>
         </p:nvSpPr>
-        <p:spPr>
-          <a:xfrm>
-            <a:off x="3625254" y="3279710"/>
-            <a:ext cx="8229600" cy="4525963"/>
-          </a:xfrm>
-        </p:spPr>
-        <p:txBody>
-          <a:bodyPr/>
-          <a:lstStyle/>
-          <a:p>
-            <a:pPr marL="0" indent="0">
-              <a:buNone/>
-            </a:pPr>
-            <a:r>
-              <a:rPr kumimoji="1" lang="en-US" altLang="ja-JP"/>
-              <a:t>(demo)</a:t>
+        <p:spPr/>
+        <p:txBody>
+          <a:bodyPr/>
+          <a:lstStyle/>
+          <a:p>
+            <a:r>
+              <a:rPr lang="en-US" altLang="ja-JP"/>
+              <a:t>Client/Server: C</a:t>
+            </a:r>
+          </a:p>
+          <a:p>
+            <a:r>
+              <a:rPr lang="en-US" altLang="ja-JP"/>
+              <a:t>Compiler: gcc</a:t>
+            </a:r>
+          </a:p>
+          <a:p>
+            <a:r>
+              <a:rPr kumimoji="1" lang="en-US" altLang="ja-JP"/>
+              <a:t>OS: Ubuntu</a:t>
             </a:r>
             <a:endParaRPr kumimoji="1" lang="ja-JP" altLang="en-US"/>
           </a:p>
@@ -4083,7 +4270,7 @@
     </p:spTree>
     <p:extLst>
       <p:ext uri="{BB962C8B-B14F-4D97-AF65-F5344CB8AC3E}">
-        <p14:creationId xmlns:p14="http://schemas.microsoft.com/office/powerpoint/2010/main" val="20674396"/>
+        <p14:creationId xmlns:p14="http://schemas.microsoft.com/office/powerpoint/2010/main" val="144479702"/>
       </p:ext>
     </p:extLst>
   </p:cSld>
@@ -4126,8 +4313,8 @@
           <a:lstStyle/>
           <a:p>
             <a:r>
-              <a:rPr lang="en-US" altLang="ja-JP"/>
-              <a:t>Evaluate</a:t>
+              <a:rPr kumimoji="1" lang="vi-VN" altLang="ja-JP"/>
+              <a:t>Demostration</a:t>
             </a:r>
             <a:endParaRPr kumimoji="1" lang="ja-JP" altLang="en-US"/>
           </a:p>
@@ -4143,78 +4330,31 @@
             <p:ph idx="1"/>
           </p:nvPr>
         </p:nvSpPr>
-        <p:spPr/>
-        <p:txBody>
-          <a:bodyPr/>
-          <a:lstStyle/>
-          <a:p>
-            <a:r>
-              <a:rPr lang="en-US" altLang="ja-JP"/>
-              <a:t>Succ</a:t>
-            </a:r>
-            <a:r>
-              <a:rPr lang="en-US" altLang="ja-JP"/>
-              <a:t>ess point:	</a:t>
-            </a:r>
-            <a:endParaRPr kumimoji="1" lang="en-US" altLang="ja-JP"/>
-          </a:p>
-          <a:p>
-            <a:pPr lvl="1"/>
-            <a:r>
-              <a:rPr lang="en-US" altLang="ja-JP"/>
-              <a:t>Design</a:t>
-            </a:r>
-            <a:r>
-              <a:rPr kumimoji="1" lang="en-US" altLang="ja-JP"/>
-              <a:t> the network protocol </a:t>
-            </a:r>
-            <a:r>
-              <a:rPr kumimoji="1" lang="en-US" altLang="ja-JP"/>
-              <a:t>suitable with the game</a:t>
-            </a:r>
-          </a:p>
-          <a:p>
-            <a:pPr lvl="1"/>
-            <a:r>
-              <a:rPr kumimoji="1" lang="en-US" altLang="ja-JP"/>
-              <a:t>H</a:t>
-            </a:r>
-            <a:r>
-              <a:rPr kumimoji="1" lang="en-US" altLang="ja-JP"/>
-              <a:t>andle the </a:t>
-            </a:r>
-            <a:r>
-              <a:rPr lang="en-US" altLang="ja-JP"/>
-              <a:t>conflict </a:t>
-            </a:r>
-            <a:r>
-              <a:rPr kumimoji="1" lang="en-US" altLang="ja-JP"/>
-              <a:t>communication</a:t>
-            </a:r>
-          </a:p>
-          <a:p>
-            <a:r>
-              <a:rPr kumimoji="1" lang="en-US" altLang="ja-JP"/>
-              <a:t>Failure point:</a:t>
-            </a:r>
-          </a:p>
-          <a:p>
-            <a:pPr lvl="1"/>
-            <a:r>
-              <a:rPr lang="en-US" altLang="ja-JP"/>
-              <a:t>Have not completed</a:t>
-            </a:r>
-            <a:r>
-              <a:rPr lang="en-US" altLang="ja-JP"/>
-              <a:t> the connection between GUI and main Program yet</a:t>
-            </a:r>
+        <p:spPr>
+          <a:xfrm>
+            <a:off x="3625254" y="3279710"/>
+            <a:ext cx="8229600" cy="4525963"/>
+          </a:xfrm>
+        </p:spPr>
+        <p:txBody>
+          <a:bodyPr/>
+          <a:lstStyle/>
+          <a:p>
+            <a:pPr marL="0" indent="0">
+              <a:buNone/>
+            </a:pPr>
+            <a:r>
+              <a:rPr kumimoji="1" lang="en-US" altLang="ja-JP"/>
+              <a:t>(demo)</a:t>
+            </a:r>
+            <a:endParaRPr kumimoji="1" lang="ja-JP" altLang="en-US"/>
           </a:p>
         </p:txBody>
       </p:sp>
     </p:spTree>
     <p:extLst>
       <p:ext uri="{BB962C8B-B14F-4D97-AF65-F5344CB8AC3E}">
-        <p14:creationId xmlns:p14="http://schemas.microsoft.com/office/powerpoint/2010/main" val="3434856956"/>
+        <p14:creationId xmlns:p14="http://schemas.microsoft.com/office/powerpoint/2010/main" val="20674396"/>
       </p:ext>
     </p:extLst>
   </p:cSld>
@@ -4256,6 +4396,10 @@
           <a:bodyPr/>
           <a:lstStyle/>
           <a:p>
+            <a:r>
+              <a:rPr lang="en-US" altLang="ja-JP"/>
+              <a:t>Evaluate</a:t>
+            </a:r>
             <a:endParaRPr kumimoji="1" lang="ja-JP" altLang="en-US"/>
           </a:p>
         </p:txBody>
@@ -4270,33 +4414,231 @@
             <p:ph idx="1"/>
           </p:nvPr>
         </p:nvSpPr>
-        <p:spPr>
-          <a:xfrm>
-            <a:off x="281642" y="2501401"/>
-            <a:ext cx="8898203" cy="4525963"/>
-          </a:xfrm>
-        </p:spPr>
-        <p:txBody>
-          <a:bodyPr>
-            <a:normAutofit/>
-          </a:bodyPr>
-          <a:lstStyle/>
-          <a:p>
-            <a:pPr marL="0" indent="0">
-              <a:buNone/>
-            </a:pPr>
-            <a:r>
-              <a:rPr kumimoji="1" lang="vi-VN" altLang="ja-JP" sz="5400"/>
-              <a:t>Thank You for Your Listening! </a:t>
-            </a:r>
-            <a:endParaRPr kumimoji="1" lang="ja-JP" altLang="en-US" sz="5400"/>
+        <p:spPr/>
+        <p:txBody>
+          <a:bodyPr/>
+          <a:lstStyle/>
+          <a:p>
+            <a:r>
+              <a:rPr lang="en-US" altLang="ja-JP"/>
+              <a:t>Succ</a:t>
+            </a:r>
+            <a:r>
+              <a:rPr lang="en-US" altLang="ja-JP"/>
+              <a:t>ess point:	</a:t>
+            </a:r>
+            <a:endParaRPr kumimoji="1" lang="en-US" altLang="ja-JP"/>
+          </a:p>
+          <a:p>
+            <a:pPr lvl="1"/>
+            <a:r>
+              <a:rPr lang="en-US" altLang="ja-JP"/>
+              <a:t>Design</a:t>
+            </a:r>
+            <a:r>
+              <a:rPr kumimoji="1" lang="en-US" altLang="ja-JP"/>
+              <a:t> the network protocol </a:t>
+            </a:r>
+            <a:r>
+              <a:rPr kumimoji="1" lang="en-US" altLang="ja-JP"/>
+              <a:t>suitable with the game and expandable</a:t>
+            </a:r>
+          </a:p>
+          <a:p>
+            <a:pPr lvl="1"/>
+            <a:r>
+              <a:rPr kumimoji="1" lang="en-US" altLang="ja-JP"/>
+              <a:t>H</a:t>
+            </a:r>
+            <a:r>
+              <a:rPr kumimoji="1" lang="en-US" altLang="ja-JP"/>
+              <a:t>andle the </a:t>
+            </a:r>
+            <a:r>
+              <a:rPr lang="en-US" altLang="ja-JP"/>
+              <a:t>conflict </a:t>
+            </a:r>
+            <a:r>
+              <a:rPr kumimoji="1" lang="en-US" altLang="ja-JP"/>
+              <a:t>communication</a:t>
+            </a:r>
+          </a:p>
+          <a:p>
+            <a:r>
+              <a:rPr kumimoji="1" lang="en-US" altLang="ja-JP"/>
+              <a:t>Failure point:</a:t>
+            </a:r>
+          </a:p>
+          <a:p>
+            <a:pPr lvl="1"/>
+            <a:r>
+              <a:rPr lang="en-US" altLang="ja-JP"/>
+              <a:t>Have not completed</a:t>
+            </a:r>
+            <a:r>
+              <a:rPr lang="en-US" altLang="ja-JP"/>
+              <a:t> the connection between GUI (gtk in C) and main Program yet</a:t>
+            </a:r>
           </a:p>
         </p:txBody>
       </p:sp>
     </p:spTree>
     <p:extLst>
       <p:ext uri="{BB962C8B-B14F-4D97-AF65-F5344CB8AC3E}">
-        <p14:creationId xmlns:p14="http://schemas.microsoft.com/office/powerpoint/2010/main" val="3108771292"/>
+        <p14:creationId xmlns:p14="http://schemas.microsoft.com/office/powerpoint/2010/main" val="3434856956"/>
+      </p:ext>
+    </p:extLst>
+  </p:cSld>
+  <p:clrMapOvr>
+    <a:masterClrMapping/>
+  </p:clrMapOvr>
+</p:sld>
+</file>
+
+<file path=ppt/slides/slide9.xml><?xml version="1.0" encoding="utf-8"?>
+<p:sld xmlns:a="http://schemas.openxmlformats.org/drawingml/2006/main" xmlns:r="http://schemas.openxmlformats.org/officeDocument/2006/relationships" xmlns:p="http://schemas.openxmlformats.org/presentationml/2006/main">
+  <p:cSld>
+    <p:spTree>
+      <p:nvGrpSpPr>
+        <p:cNvPr id="1" name=""/>
+        <p:cNvGrpSpPr/>
+        <p:nvPr/>
+      </p:nvGrpSpPr>
+      <p:grpSpPr>
+        <a:xfrm>
+          <a:off x="0" y="0"/>
+          <a:ext cx="0" cy="0"/>
+          <a:chOff x="0" y="0"/>
+          <a:chExt cx="0" cy="0"/>
+        </a:xfrm>
+      </p:grpSpPr>
+      <p:sp>
+        <p:nvSpPr>
+          <p:cNvPr id="2" name="Title 1"/>
+          <p:cNvSpPr>
+            <a:spLocks noGrp="1"/>
+          </p:cNvSpPr>
+          <p:nvPr>
+            <p:ph type="title"/>
+          </p:nvPr>
+        </p:nvSpPr>
+        <p:spPr/>
+        <p:txBody>
+          <a:bodyPr>
+            <a:normAutofit fontScale="90000"/>
+          </a:bodyPr>
+          <a:lstStyle/>
+          <a:p>
+            <a:r>
+              <a:rPr lang="en-US" altLang="ja-JP"/>
+              <a:t>Description of TeamWork</a:t>
+            </a:r>
+            <a:br>
+              <a:rPr lang="en-US" altLang="ja-JP"/>
+            </a:br>
+            <a:endParaRPr kumimoji="1" lang="ja-JP" altLang="en-US"/>
+          </a:p>
+        </p:txBody>
+      </p:sp>
+      <p:sp>
+        <p:nvSpPr>
+          <p:cNvPr id="3" name="Content Placeholder 2"/>
+          <p:cNvSpPr>
+            <a:spLocks noGrp="1"/>
+          </p:cNvSpPr>
+          <p:nvPr>
+            <p:ph idx="1"/>
+          </p:nvPr>
+        </p:nvSpPr>
+        <p:spPr/>
+        <p:txBody>
+          <a:bodyPr>
+            <a:normAutofit fontScale="85000" lnSpcReduction="20000"/>
+          </a:bodyPr>
+          <a:lstStyle/>
+          <a:p>
+            <a:pPr lvl="0"/>
+            <a:r>
+              <a:rPr lang="en-US" altLang="ja-JP"/>
+              <a:t>Source Management: github</a:t>
+            </a:r>
+          </a:p>
+          <a:p>
+            <a:pPr lvl="0"/>
+            <a:r>
+              <a:rPr lang="en-US" altLang="ja-JP"/>
+              <a:t>Assigned tasks:</a:t>
+            </a:r>
+          </a:p>
+          <a:p>
+            <a:r>
+              <a:rPr lang="en-US" altLang="ja-JP"/>
+              <a:t>Nguyen Anh Tien</a:t>
+            </a:r>
+          </a:p>
+          <a:p>
+            <a:pPr lvl="1"/>
+            <a:r>
+              <a:rPr lang="en-US" altLang="ja-JP"/>
+              <a:t> Write main server, main client</a:t>
+            </a:r>
+          </a:p>
+          <a:p>
+            <a:r>
+              <a:rPr lang="en-US" altLang="ja-JP"/>
+              <a:t>Do Trung Kien</a:t>
+            </a:r>
+          </a:p>
+          <a:p>
+            <a:pPr lvl="1"/>
+            <a:r>
+              <a:rPr lang="en-US" altLang="ja-JP"/>
+              <a:t>Write GUI by gtk (C), write client</a:t>
+            </a:r>
+          </a:p>
+          <a:p>
+            <a:r>
+              <a:rPr lang="en-US" altLang="ja-JP"/>
+              <a:t>Both </a:t>
+            </a:r>
+          </a:p>
+          <a:p>
+            <a:pPr lvl="1"/>
+            <a:r>
+              <a:rPr lang="en-US" altLang="ja-JP"/>
+              <a:t>Design network model and protocol</a:t>
+            </a:r>
+          </a:p>
+          <a:p>
+            <a:pPr lvl="1"/>
+            <a:r>
+              <a:rPr lang="en-US" altLang="ja-JP"/>
+              <a:t>Connect client/server code with GUI</a:t>
+            </a:r>
+          </a:p>
+          <a:p>
+            <a:pPr lvl="1"/>
+            <a:r>
+              <a:rPr lang="en-US" altLang="ja-JP"/>
+              <a:t>Debug</a:t>
+            </a:r>
+          </a:p>
+          <a:p>
+            <a:pPr lvl="1"/>
+            <a:r>
+              <a:rPr lang="en-US" altLang="ja-JP"/>
+              <a:t>Program Test</a:t>
+            </a:r>
+          </a:p>
+          <a:p>
+            <a:endParaRPr kumimoji="1" lang="ja-JP" altLang="en-US"/>
+          </a:p>
+        </p:txBody>
+      </p:sp>
+    </p:spTree>
+    <p:extLst>
+      <p:ext uri="{BB962C8B-B14F-4D97-AF65-F5344CB8AC3E}">
+        <p14:creationId xmlns:p14="http://schemas.microsoft.com/office/powerpoint/2010/main" val="2458599654"/>
       </p:ext>
     </p:extLst>
   </p:cSld>
